--- a/문서/화면 설계서 정의/게시글 상세 페이지.pptx
+++ b/문서/화면 설계서 정의/게시글 상세 페이지.pptx
@@ -210,7 +210,7 @@
           <a:p>
             <a:fld id="{1EB6FE43-57B8-461E-A394-244D28BFC3EC}" type="datetimeFigureOut">
               <a:rPr lang="ko-KR" altLang="en-US" smtClean="0"/>
-              <a:t>2025-09-20</a:t>
+              <a:t>2025-09-22</a:t>
             </a:fld>
             <a:endParaRPr lang="ko-KR" altLang="en-US" dirty="0"/>
           </a:p>
@@ -608,7 +608,7 @@
           <a:p>
             <a:fld id="{8295DE7C-9811-4805-A550-EF8692ADCD18}" type="datetimeFigureOut">
               <a:rPr lang="ko-KR" altLang="en-US" smtClean="0"/>
-              <a:t>2025-09-20</a:t>
+              <a:t>2025-09-22</a:t>
             </a:fld>
             <a:endParaRPr lang="ko-KR" altLang="en-US" dirty="0"/>
           </a:p>
@@ -778,7 +778,7 @@
           <a:p>
             <a:fld id="{8295DE7C-9811-4805-A550-EF8692ADCD18}" type="datetimeFigureOut">
               <a:rPr lang="ko-KR" altLang="en-US" smtClean="0"/>
-              <a:t>2025-09-20</a:t>
+              <a:t>2025-09-22</a:t>
             </a:fld>
             <a:endParaRPr lang="ko-KR" altLang="en-US" dirty="0"/>
           </a:p>
@@ -958,7 +958,7 @@
           <a:p>
             <a:fld id="{8295DE7C-9811-4805-A550-EF8692ADCD18}" type="datetimeFigureOut">
               <a:rPr lang="ko-KR" altLang="en-US" smtClean="0"/>
-              <a:t>2025-09-20</a:t>
+              <a:t>2025-09-22</a:t>
             </a:fld>
             <a:endParaRPr lang="ko-KR" altLang="en-US" dirty="0"/>
           </a:p>
@@ -1128,7 +1128,7 @@
           <a:p>
             <a:fld id="{8295DE7C-9811-4805-A550-EF8692ADCD18}" type="datetimeFigureOut">
               <a:rPr lang="ko-KR" altLang="en-US" smtClean="0"/>
-              <a:t>2025-09-20</a:t>
+              <a:t>2025-09-22</a:t>
             </a:fld>
             <a:endParaRPr lang="ko-KR" altLang="en-US" dirty="0"/>
           </a:p>
@@ -1372,7 +1372,7 @@
           <a:p>
             <a:fld id="{8295DE7C-9811-4805-A550-EF8692ADCD18}" type="datetimeFigureOut">
               <a:rPr lang="ko-KR" altLang="en-US" smtClean="0"/>
-              <a:t>2025-09-20</a:t>
+              <a:t>2025-09-22</a:t>
             </a:fld>
             <a:endParaRPr lang="ko-KR" altLang="en-US" dirty="0"/>
           </a:p>
@@ -1604,7 +1604,7 @@
           <a:p>
             <a:fld id="{8295DE7C-9811-4805-A550-EF8692ADCD18}" type="datetimeFigureOut">
               <a:rPr lang="ko-KR" altLang="en-US" smtClean="0"/>
-              <a:t>2025-09-20</a:t>
+              <a:t>2025-09-22</a:t>
             </a:fld>
             <a:endParaRPr lang="ko-KR" altLang="en-US" dirty="0"/>
           </a:p>
@@ -1971,7 +1971,7 @@
           <a:p>
             <a:fld id="{8295DE7C-9811-4805-A550-EF8692ADCD18}" type="datetimeFigureOut">
               <a:rPr lang="ko-KR" altLang="en-US" smtClean="0"/>
-              <a:t>2025-09-20</a:t>
+              <a:t>2025-09-22</a:t>
             </a:fld>
             <a:endParaRPr lang="ko-KR" altLang="en-US" dirty="0"/>
           </a:p>
@@ -2089,7 +2089,7 @@
           <a:p>
             <a:fld id="{8295DE7C-9811-4805-A550-EF8692ADCD18}" type="datetimeFigureOut">
               <a:rPr lang="ko-KR" altLang="en-US" smtClean="0"/>
-              <a:t>2025-09-20</a:t>
+              <a:t>2025-09-22</a:t>
             </a:fld>
             <a:endParaRPr lang="ko-KR" altLang="en-US" dirty="0"/>
           </a:p>
@@ -2184,7 +2184,7 @@
           <a:p>
             <a:fld id="{8295DE7C-9811-4805-A550-EF8692ADCD18}" type="datetimeFigureOut">
               <a:rPr lang="ko-KR" altLang="en-US" smtClean="0"/>
-              <a:t>2025-09-20</a:t>
+              <a:t>2025-09-22</a:t>
             </a:fld>
             <a:endParaRPr lang="ko-KR" altLang="en-US" dirty="0"/>
           </a:p>
@@ -2461,7 +2461,7 @@
           <a:p>
             <a:fld id="{8295DE7C-9811-4805-A550-EF8692ADCD18}" type="datetimeFigureOut">
               <a:rPr lang="ko-KR" altLang="en-US" smtClean="0"/>
-              <a:t>2025-09-20</a:t>
+              <a:t>2025-09-22</a:t>
             </a:fld>
             <a:endParaRPr lang="ko-KR" altLang="en-US" dirty="0"/>
           </a:p>
@@ -2718,7 +2718,7 @@
           <a:p>
             <a:fld id="{8295DE7C-9811-4805-A550-EF8692ADCD18}" type="datetimeFigureOut">
               <a:rPr lang="ko-KR" altLang="en-US" smtClean="0"/>
-              <a:t>2025-09-20</a:t>
+              <a:t>2025-09-22</a:t>
             </a:fld>
             <a:endParaRPr lang="ko-KR" altLang="en-US" dirty="0"/>
           </a:p>
@@ -2931,7 +2931,7 @@
           <a:p>
             <a:fld id="{8295DE7C-9811-4805-A550-EF8692ADCD18}" type="datetimeFigureOut">
               <a:rPr lang="ko-KR" altLang="en-US" smtClean="0"/>
-              <a:t>2025-09-20</a:t>
+              <a:t>2025-09-22</a:t>
             </a:fld>
             <a:endParaRPr lang="ko-KR" altLang="en-US" dirty="0"/>
           </a:p>
@@ -4070,72 +4070,6 @@
       </p:sp>
       <p:sp>
         <p:nvSpPr>
-          <p:cNvPr id="23" name="직사각형 22">
-            <a:extLst>
-              <a:ext uri="{FF2B5EF4-FFF2-40B4-BE49-F238E27FC236}">
-                <a16:creationId xmlns:a16="http://schemas.microsoft.com/office/drawing/2014/main" id="{8C790DE8-8936-4766-87D4-8B7518EE57E0}"/>
-              </a:ext>
-            </a:extLst>
-          </p:cNvPr>
-          <p:cNvSpPr/>
-          <p:nvPr/>
-        </p:nvSpPr>
-        <p:spPr>
-          <a:xfrm>
-            <a:off x="901761" y="5055144"/>
-            <a:ext cx="1022680" cy="389373"/>
-          </a:xfrm>
-          <a:prstGeom prst="rect">
-            <a:avLst/>
-          </a:prstGeom>
-          <a:solidFill>
-            <a:schemeClr val="bg1"/>
-          </a:solidFill>
-          <a:ln>
-            <a:solidFill>
-              <a:schemeClr val="bg1"/>
-            </a:solidFill>
-          </a:ln>
-        </p:spPr>
-        <p:style>
-          <a:lnRef idx="2">
-            <a:schemeClr val="accent1">
-              <a:shade val="50000"/>
-            </a:schemeClr>
-          </a:lnRef>
-          <a:fillRef idx="1">
-            <a:schemeClr val="accent1"/>
-          </a:fillRef>
-          <a:effectRef idx="0">
-            <a:schemeClr val="accent1"/>
-          </a:effectRef>
-          <a:fontRef idx="minor">
-            <a:schemeClr val="lt1"/>
-          </a:fontRef>
-        </p:style>
-        <p:txBody>
-          <a:bodyPr rot="0" spcFirstLastPara="0" vertOverflow="overflow" horzOverflow="overflow" vert="horz" wrap="square" lIns="91440" tIns="45720" rIns="91440" bIns="45720" numCol="1" spcCol="0" rtlCol="0" fromWordArt="0" anchor="ctr" anchorCtr="0" forceAA="0" compatLnSpc="1">
-            <a:prstTxWarp prst="textNoShape">
-              <a:avLst/>
-            </a:prstTxWarp>
-            <a:noAutofit/>
-          </a:bodyPr>
-          <a:lstStyle/>
-          <a:p>
-            <a:pPr algn="ctr"/>
-            <a:r>
-              <a:rPr lang="ko-KR" altLang="en-US" sz="1600" b="1" dirty="0">
-                <a:solidFill>
-                  <a:schemeClr val="tx1"/>
-                </a:solidFill>
-              </a:rPr>
-              <a:t>첨부파일</a:t>
-            </a:r>
-          </a:p>
-        </p:txBody>
-      </p:sp>
-      <p:sp>
-        <p:nvSpPr>
           <p:cNvPr id="24" name="직사각형 23">
             <a:extLst>
               <a:ext uri="{FF2B5EF4-FFF2-40B4-BE49-F238E27FC236}">
@@ -4439,51 +4373,6 @@
       </p:cxnSp>
       <p:cxnSp>
         <p:nvCxnSpPr>
-          <p:cNvPr id="37" name="직선 연결선 36">
-            <a:extLst>
-              <a:ext uri="{FF2B5EF4-FFF2-40B4-BE49-F238E27FC236}">
-                <a16:creationId xmlns:a16="http://schemas.microsoft.com/office/drawing/2014/main" id="{D54F500F-06A5-4A94-A24A-44A4840D8E4A}"/>
-              </a:ext>
-            </a:extLst>
-          </p:cNvPr>
-          <p:cNvCxnSpPr>
-            <a:cxnSpLocks/>
-          </p:cNvCxnSpPr>
-          <p:nvPr/>
-        </p:nvCxnSpPr>
-        <p:spPr>
-          <a:xfrm>
-            <a:off x="701415" y="4954099"/>
-            <a:ext cx="5455169" cy="0"/>
-          </a:xfrm>
-          <a:prstGeom prst="line">
-            <a:avLst/>
-          </a:prstGeom>
-          <a:ln w="12700">
-            <a:solidFill>
-              <a:schemeClr val="bg1">
-                <a:lumMod val="65000"/>
-              </a:schemeClr>
-            </a:solidFill>
-          </a:ln>
-        </p:spPr>
-        <p:style>
-          <a:lnRef idx="1">
-            <a:schemeClr val="accent1"/>
-          </a:lnRef>
-          <a:fillRef idx="0">
-            <a:schemeClr val="accent1"/>
-          </a:fillRef>
-          <a:effectRef idx="0">
-            <a:schemeClr val="accent1"/>
-          </a:effectRef>
-          <a:fontRef idx="minor">
-            <a:schemeClr val="tx1"/>
-          </a:fontRef>
-        </p:style>
-      </p:cxnSp>
-      <p:cxnSp>
-        <p:nvCxnSpPr>
           <p:cNvPr id="40" name="직선 연결선 39">
             <a:extLst>
               <a:ext uri="{FF2B5EF4-FFF2-40B4-BE49-F238E27FC236}">
@@ -4909,6 +4798,387 @@
           </a:p>
         </p:txBody>
       </p:sp>
+      <p:pic>
+        <p:nvPicPr>
+          <p:cNvPr id="11" name="그림 10">
+            <a:extLst>
+              <a:ext uri="{FF2B5EF4-FFF2-40B4-BE49-F238E27FC236}">
+                <a16:creationId xmlns:a16="http://schemas.microsoft.com/office/drawing/2014/main" id="{42EBD6A4-5030-7263-37EB-87DBD51497AF}"/>
+              </a:ext>
+            </a:extLst>
+          </p:cNvPr>
+          <p:cNvPicPr>
+            <a:picLocks noChangeAspect="1"/>
+          </p:cNvPicPr>
+          <p:nvPr/>
+        </p:nvPicPr>
+        <p:blipFill>
+          <a:blip r:embed="rId4"/>
+          <a:stretch>
+            <a:fillRect/>
+          </a:stretch>
+        </p:blipFill>
+        <p:spPr>
+          <a:xfrm>
+            <a:off x="854338" y="2793540"/>
+            <a:ext cx="5149315" cy="2489532"/>
+          </a:xfrm>
+          <a:prstGeom prst="rect">
+            <a:avLst/>
+          </a:prstGeom>
+        </p:spPr>
+      </p:pic>
+      <p:sp>
+        <p:nvSpPr>
+          <p:cNvPr id="12" name="직사각형 11">
+            <a:extLst>
+              <a:ext uri="{FF2B5EF4-FFF2-40B4-BE49-F238E27FC236}">
+                <a16:creationId xmlns:a16="http://schemas.microsoft.com/office/drawing/2014/main" id="{D1F2E12C-2886-D40D-C147-E535FB09EC60}"/>
+              </a:ext>
+            </a:extLst>
+          </p:cNvPr>
+          <p:cNvSpPr/>
+          <p:nvPr/>
+        </p:nvSpPr>
+        <p:spPr>
+          <a:xfrm>
+            <a:off x="901761" y="5429573"/>
+            <a:ext cx="5267325" cy="481446"/>
+          </a:xfrm>
+          <a:prstGeom prst="rect">
+            <a:avLst/>
+          </a:prstGeom>
+          <a:solidFill>
+            <a:schemeClr val="bg1"/>
+          </a:solidFill>
+          <a:ln>
+            <a:solidFill>
+              <a:schemeClr val="bg1"/>
+            </a:solidFill>
+          </a:ln>
+        </p:spPr>
+        <p:style>
+          <a:lnRef idx="2">
+            <a:schemeClr val="accent1">
+              <a:shade val="50000"/>
+            </a:schemeClr>
+          </a:lnRef>
+          <a:fillRef idx="1">
+            <a:schemeClr val="accent1"/>
+          </a:fillRef>
+          <a:effectRef idx="0">
+            <a:schemeClr val="accent1"/>
+          </a:effectRef>
+          <a:fontRef idx="minor">
+            <a:schemeClr val="lt1"/>
+          </a:fontRef>
+        </p:style>
+        <p:txBody>
+          <a:bodyPr rot="0" spcFirstLastPara="0" vertOverflow="overflow" horzOverflow="overflow" vert="horz" wrap="square" lIns="91440" tIns="45720" rIns="91440" bIns="45720" numCol="1" spcCol="0" rtlCol="0" fromWordArt="0" anchor="ctr" anchorCtr="0" forceAA="0" compatLnSpc="1">
+            <a:prstTxWarp prst="textNoShape">
+              <a:avLst/>
+            </a:prstTxWarp>
+            <a:noAutofit/>
+          </a:bodyPr>
+          <a:lstStyle/>
+          <a:p>
+            <a:pPr algn="ctr"/>
+            <a:endParaRPr lang="ko-KR" altLang="en-US" sz="1600" b="1" dirty="0">
+              <a:solidFill>
+                <a:schemeClr val="tx1"/>
+              </a:solidFill>
+            </a:endParaRPr>
+          </a:p>
+        </p:txBody>
+      </p:sp>
+      <p:pic>
+        <p:nvPicPr>
+          <p:cNvPr id="14" name="그림 13">
+            <a:extLst>
+              <a:ext uri="{FF2B5EF4-FFF2-40B4-BE49-F238E27FC236}">
+                <a16:creationId xmlns:a16="http://schemas.microsoft.com/office/drawing/2014/main" id="{F022EB79-19B3-E6CB-2798-53679C923AEF}"/>
+              </a:ext>
+            </a:extLst>
+          </p:cNvPr>
+          <p:cNvPicPr>
+            <a:picLocks noChangeAspect="1"/>
+          </p:cNvPicPr>
+          <p:nvPr/>
+        </p:nvPicPr>
+        <p:blipFill>
+          <a:blip r:embed="rId5"/>
+          <a:stretch>
+            <a:fillRect/>
+          </a:stretch>
+        </p:blipFill>
+        <p:spPr>
+          <a:xfrm>
+            <a:off x="790117" y="5667616"/>
+            <a:ext cx="3347859" cy="253930"/>
+          </a:xfrm>
+          <a:prstGeom prst="rect">
+            <a:avLst/>
+          </a:prstGeom>
+        </p:spPr>
+      </p:pic>
+      <p:cxnSp>
+        <p:nvCxnSpPr>
+          <p:cNvPr id="37" name="직선 연결선 36">
+            <a:extLst>
+              <a:ext uri="{FF2B5EF4-FFF2-40B4-BE49-F238E27FC236}">
+                <a16:creationId xmlns:a16="http://schemas.microsoft.com/office/drawing/2014/main" id="{D54F500F-06A5-4A94-A24A-44A4840D8E4A}"/>
+              </a:ext>
+            </a:extLst>
+          </p:cNvPr>
+          <p:cNvCxnSpPr>
+            <a:cxnSpLocks/>
+          </p:cNvCxnSpPr>
+          <p:nvPr/>
+        </p:nvCxnSpPr>
+        <p:spPr>
+          <a:xfrm>
+            <a:off x="719137" y="5631807"/>
+            <a:ext cx="5455169" cy="0"/>
+          </a:xfrm>
+          <a:prstGeom prst="line">
+            <a:avLst/>
+          </a:prstGeom>
+          <a:ln w="12700">
+            <a:solidFill>
+              <a:schemeClr val="bg1">
+                <a:lumMod val="65000"/>
+              </a:schemeClr>
+            </a:solidFill>
+          </a:ln>
+        </p:spPr>
+        <p:style>
+          <a:lnRef idx="1">
+            <a:schemeClr val="accent1"/>
+          </a:lnRef>
+          <a:fillRef idx="0">
+            <a:schemeClr val="accent1"/>
+          </a:fillRef>
+          <a:effectRef idx="0">
+            <a:schemeClr val="accent1"/>
+          </a:effectRef>
+          <a:fontRef idx="minor">
+            <a:schemeClr val="tx1"/>
+          </a:fontRef>
+        </p:style>
+      </p:cxnSp>
+      <p:pic>
+        <p:nvPicPr>
+          <p:cNvPr id="9" name="그림 8">
+            <a:extLst>
+              <a:ext uri="{FF2B5EF4-FFF2-40B4-BE49-F238E27FC236}">
+                <a16:creationId xmlns:a16="http://schemas.microsoft.com/office/drawing/2014/main" id="{79FC4AB4-5B53-8446-D6D4-9B163374F261}"/>
+              </a:ext>
+            </a:extLst>
+          </p:cNvPr>
+          <p:cNvPicPr>
+            <a:picLocks noChangeAspect="1"/>
+          </p:cNvPicPr>
+          <p:nvPr/>
+        </p:nvPicPr>
+        <p:blipFill>
+          <a:blip r:embed="rId6"/>
+          <a:stretch>
+            <a:fillRect/>
+          </a:stretch>
+        </p:blipFill>
+        <p:spPr>
+          <a:xfrm>
+            <a:off x="896541" y="5203580"/>
+            <a:ext cx="1793663" cy="354996"/>
+          </a:xfrm>
+          <a:prstGeom prst="rect">
+            <a:avLst/>
+          </a:prstGeom>
+        </p:spPr>
+      </p:pic>
+      <p:sp>
+        <p:nvSpPr>
+          <p:cNvPr id="26" name="직사각형 25">
+            <a:extLst>
+              <a:ext uri="{FF2B5EF4-FFF2-40B4-BE49-F238E27FC236}">
+                <a16:creationId xmlns:a16="http://schemas.microsoft.com/office/drawing/2014/main" id="{6B3959A8-732C-E198-DD9E-E16754807D68}"/>
+              </a:ext>
+            </a:extLst>
+          </p:cNvPr>
+          <p:cNvSpPr/>
+          <p:nvPr/>
+        </p:nvSpPr>
+        <p:spPr>
+          <a:xfrm>
+            <a:off x="701412" y="6059837"/>
+            <a:ext cx="5637395" cy="2185260"/>
+          </a:xfrm>
+          <a:prstGeom prst="rect">
+            <a:avLst/>
+          </a:prstGeom>
+          <a:solidFill>
+            <a:schemeClr val="bg1"/>
+          </a:solidFill>
+          <a:ln>
+            <a:solidFill>
+              <a:schemeClr val="bg1"/>
+            </a:solidFill>
+          </a:ln>
+        </p:spPr>
+        <p:style>
+          <a:lnRef idx="2">
+            <a:schemeClr val="accent1">
+              <a:shade val="50000"/>
+            </a:schemeClr>
+          </a:lnRef>
+          <a:fillRef idx="1">
+            <a:schemeClr val="accent1"/>
+          </a:fillRef>
+          <a:effectRef idx="0">
+            <a:schemeClr val="accent1"/>
+          </a:effectRef>
+          <a:fontRef idx="minor">
+            <a:schemeClr val="lt1"/>
+          </a:fontRef>
+        </p:style>
+        <p:txBody>
+          <a:bodyPr rot="0" spcFirstLastPara="0" vertOverflow="overflow" horzOverflow="overflow" vert="horz" wrap="square" lIns="91440" tIns="45720" rIns="91440" bIns="45720" numCol="1" spcCol="0" rtlCol="0" fromWordArt="0" anchor="ctr" anchorCtr="0" forceAA="0" compatLnSpc="1">
+            <a:prstTxWarp prst="textNoShape">
+              <a:avLst/>
+            </a:prstTxWarp>
+            <a:noAutofit/>
+          </a:bodyPr>
+          <a:lstStyle/>
+          <a:p>
+            <a:pPr algn="ctr"/>
+            <a:endParaRPr lang="ko-KR" altLang="en-US" sz="1600" b="1" dirty="0">
+              <a:solidFill>
+                <a:schemeClr val="tx1"/>
+              </a:solidFill>
+            </a:endParaRPr>
+          </a:p>
+        </p:txBody>
+      </p:sp>
+      <p:pic>
+        <p:nvPicPr>
+          <p:cNvPr id="32" name="그림 31">
+            <a:extLst>
+              <a:ext uri="{FF2B5EF4-FFF2-40B4-BE49-F238E27FC236}">
+                <a16:creationId xmlns:a16="http://schemas.microsoft.com/office/drawing/2014/main" id="{1242ECE6-17E4-5E15-A564-81A2263EEA76}"/>
+              </a:ext>
+            </a:extLst>
+          </p:cNvPr>
+          <p:cNvPicPr>
+            <a:picLocks noChangeAspect="1"/>
+          </p:cNvPicPr>
+          <p:nvPr/>
+        </p:nvPicPr>
+        <p:blipFill>
+          <a:blip r:embed="rId7"/>
+          <a:stretch>
+            <a:fillRect/>
+          </a:stretch>
+        </p:blipFill>
+        <p:spPr>
+          <a:xfrm>
+            <a:off x="769427" y="6048109"/>
+            <a:ext cx="4898430" cy="1825799"/>
+          </a:xfrm>
+          <a:prstGeom prst="rect">
+            <a:avLst/>
+          </a:prstGeom>
+        </p:spPr>
+      </p:pic>
+      <p:cxnSp>
+        <p:nvCxnSpPr>
+          <p:cNvPr id="33" name="직선 연결선 32">
+            <a:extLst>
+              <a:ext uri="{FF2B5EF4-FFF2-40B4-BE49-F238E27FC236}">
+                <a16:creationId xmlns:a16="http://schemas.microsoft.com/office/drawing/2014/main" id="{09E70A63-6FE7-49FD-26AA-79034662C3A5}"/>
+              </a:ext>
+            </a:extLst>
+          </p:cNvPr>
+          <p:cNvCxnSpPr>
+            <a:cxnSpLocks/>
+          </p:cNvCxnSpPr>
+          <p:nvPr/>
+        </p:nvCxnSpPr>
+        <p:spPr>
+          <a:xfrm>
+            <a:off x="719137" y="6716786"/>
+            <a:ext cx="5455169" cy="0"/>
+          </a:xfrm>
+          <a:prstGeom prst="line">
+            <a:avLst/>
+          </a:prstGeom>
+          <a:ln w="12700">
+            <a:solidFill>
+              <a:schemeClr val="bg1">
+                <a:lumMod val="65000"/>
+              </a:schemeClr>
+            </a:solidFill>
+          </a:ln>
+        </p:spPr>
+        <p:style>
+          <a:lnRef idx="1">
+            <a:schemeClr val="accent1"/>
+          </a:lnRef>
+          <a:fillRef idx="0">
+            <a:schemeClr val="accent1"/>
+          </a:fillRef>
+          <a:effectRef idx="0">
+            <a:schemeClr val="accent1"/>
+          </a:effectRef>
+          <a:fontRef idx="minor">
+            <a:schemeClr val="tx1"/>
+          </a:fontRef>
+        </p:style>
+      </p:cxnSp>
+      <p:cxnSp>
+        <p:nvCxnSpPr>
+          <p:cNvPr id="34" name="직선 연결선 33">
+            <a:extLst>
+              <a:ext uri="{FF2B5EF4-FFF2-40B4-BE49-F238E27FC236}">
+                <a16:creationId xmlns:a16="http://schemas.microsoft.com/office/drawing/2014/main" id="{F0CDD6E7-1D1A-9FA3-606D-83515854E38F}"/>
+              </a:ext>
+            </a:extLst>
+          </p:cNvPr>
+          <p:cNvCxnSpPr>
+            <a:cxnSpLocks/>
+          </p:cNvCxnSpPr>
+          <p:nvPr/>
+        </p:nvCxnSpPr>
+        <p:spPr>
+          <a:xfrm>
+            <a:off x="701410" y="7160210"/>
+            <a:ext cx="5455169" cy="0"/>
+          </a:xfrm>
+          <a:prstGeom prst="line">
+            <a:avLst/>
+          </a:prstGeom>
+          <a:ln w="12700">
+            <a:solidFill>
+              <a:schemeClr val="bg1">
+                <a:lumMod val="65000"/>
+              </a:schemeClr>
+            </a:solidFill>
+          </a:ln>
+        </p:spPr>
+        <p:style>
+          <a:lnRef idx="1">
+            <a:schemeClr val="accent1"/>
+          </a:lnRef>
+          <a:fillRef idx="0">
+            <a:schemeClr val="accent1"/>
+          </a:fillRef>
+          <a:effectRef idx="0">
+            <a:schemeClr val="accent1"/>
+          </a:effectRef>
+          <a:fontRef idx="minor">
+            <a:schemeClr val="tx1"/>
+          </a:fontRef>
+        </p:style>
+      </p:cxnSp>
     </p:spTree>
     <p:extLst>
       <p:ext uri="{BB962C8B-B14F-4D97-AF65-F5344CB8AC3E}">
@@ -5336,11 +5606,21 @@
         <a:solidFill>
           <a:schemeClr val="bg1"/>
         </a:solidFill>
+        <a:ln>
+          <a:solidFill>
+            <a:schemeClr val="bg1"/>
+          </a:solidFill>
+        </a:ln>
       </a:spPr>
-      <a:bodyPr rtlCol="0" anchor="ctr"/>
+      <a:bodyPr rot="0" spcFirstLastPara="0" vertOverflow="overflow" horzOverflow="overflow" vert="horz" wrap="square" lIns="91440" tIns="45720" rIns="91440" bIns="45720" numCol="1" spcCol="0" rtlCol="0" fromWordArt="0" anchor="ctr" anchorCtr="0" forceAA="0" compatLnSpc="1">
+        <a:prstTxWarp prst="textNoShape">
+          <a:avLst/>
+        </a:prstTxWarp>
+        <a:noAutofit/>
+      </a:bodyPr>
       <a:lstStyle>
         <a:defPPr algn="ctr">
-          <a:defRPr dirty="0" smtClean="0">
+          <a:defRPr sz="1600" b="1" dirty="0">
             <a:solidFill>
               <a:schemeClr val="tx1"/>
             </a:solidFill>

--- a/문서/화면 설계서 정의/게시글 상세 페이지.pptx
+++ b/문서/화면 설계서 정의/게시글 상세 페이지.pptx
@@ -5179,6 +5179,263 @@
           </a:fontRef>
         </p:style>
       </p:cxnSp>
+      <p:sp>
+        <p:nvSpPr>
+          <p:cNvPr id="2" name="직사각형 1">
+            <a:extLst>
+              <a:ext uri="{FF2B5EF4-FFF2-40B4-BE49-F238E27FC236}">
+                <a16:creationId xmlns:a16="http://schemas.microsoft.com/office/drawing/2014/main" id="{31679DBF-8C6F-8072-6B41-C9DF0A13DB18}"/>
+              </a:ext>
+            </a:extLst>
+          </p:cNvPr>
+          <p:cNvSpPr/>
+          <p:nvPr/>
+        </p:nvSpPr>
+        <p:spPr>
+          <a:xfrm>
+            <a:off x="1545596" y="3503056"/>
+            <a:ext cx="3802250" cy="1095965"/>
+          </a:xfrm>
+          <a:prstGeom prst="rect">
+            <a:avLst/>
+          </a:prstGeom>
+          <a:solidFill>
+            <a:schemeClr val="bg1"/>
+          </a:solidFill>
+          <a:ln>
+            <a:solidFill>
+              <a:schemeClr val="bg1"/>
+            </a:solidFill>
+          </a:ln>
+        </p:spPr>
+        <p:style>
+          <a:lnRef idx="2">
+            <a:schemeClr val="accent1">
+              <a:shade val="50000"/>
+            </a:schemeClr>
+          </a:lnRef>
+          <a:fillRef idx="1">
+            <a:schemeClr val="accent1"/>
+          </a:fillRef>
+          <a:effectRef idx="0">
+            <a:schemeClr val="accent1"/>
+          </a:effectRef>
+          <a:fontRef idx="minor">
+            <a:schemeClr val="lt1"/>
+          </a:fontRef>
+        </p:style>
+        <p:txBody>
+          <a:bodyPr rot="0" spcFirstLastPara="0" vertOverflow="overflow" horzOverflow="overflow" vert="horz" wrap="square" lIns="91440" tIns="45720" rIns="91440" bIns="45720" numCol="1" spcCol="0" rtlCol="0" fromWordArt="0" anchor="ctr" anchorCtr="0" forceAA="0" compatLnSpc="1">
+            <a:prstTxWarp prst="textNoShape">
+              <a:avLst/>
+            </a:prstTxWarp>
+            <a:noAutofit/>
+          </a:bodyPr>
+          <a:lstStyle/>
+          <a:p>
+            <a:pPr algn="ctr"/>
+            <a:r>
+              <a:rPr lang="ko-KR" altLang="en-US" sz="1600" b="1" dirty="0">
+                <a:solidFill>
+                  <a:schemeClr val="tx1"/>
+                </a:solidFill>
+              </a:rPr>
+              <a:t>본문</a:t>
+            </a:r>
+          </a:p>
+        </p:txBody>
+      </p:sp>
+      <p:sp>
+        <p:nvSpPr>
+          <p:cNvPr id="6" name="직사각형 5">
+            <a:extLst>
+              <a:ext uri="{FF2B5EF4-FFF2-40B4-BE49-F238E27FC236}">
+                <a16:creationId xmlns:a16="http://schemas.microsoft.com/office/drawing/2014/main" id="{270902A5-C307-9109-29F3-C7BD7D844CB6}"/>
+              </a:ext>
+            </a:extLst>
+          </p:cNvPr>
+          <p:cNvSpPr/>
+          <p:nvPr/>
+        </p:nvSpPr>
+        <p:spPr>
+          <a:xfrm>
+            <a:off x="769427" y="7880280"/>
+            <a:ext cx="5186812" cy="726039"/>
+          </a:xfrm>
+          <a:prstGeom prst="rect">
+            <a:avLst/>
+          </a:prstGeom>
+          <a:solidFill>
+            <a:schemeClr val="bg1"/>
+          </a:solidFill>
+          <a:ln>
+            <a:solidFill>
+              <a:schemeClr val="bg1"/>
+            </a:solidFill>
+          </a:ln>
+        </p:spPr>
+        <p:style>
+          <a:lnRef idx="2">
+            <a:schemeClr val="accent1">
+              <a:shade val="50000"/>
+            </a:schemeClr>
+          </a:lnRef>
+          <a:fillRef idx="1">
+            <a:schemeClr val="accent1"/>
+          </a:fillRef>
+          <a:effectRef idx="0">
+            <a:schemeClr val="accent1"/>
+          </a:effectRef>
+          <a:fontRef idx="minor">
+            <a:schemeClr val="lt1"/>
+          </a:fontRef>
+        </p:style>
+        <p:txBody>
+          <a:bodyPr rot="0" spcFirstLastPara="0" vertOverflow="overflow" horzOverflow="overflow" vert="horz" wrap="square" lIns="91440" tIns="45720" rIns="91440" bIns="45720" numCol="1" spcCol="0" rtlCol="0" fromWordArt="0" anchor="ctr" anchorCtr="0" forceAA="0" compatLnSpc="1">
+            <a:prstTxWarp prst="textNoShape">
+              <a:avLst/>
+            </a:prstTxWarp>
+            <a:noAutofit/>
+          </a:bodyPr>
+          <a:lstStyle/>
+          <a:p>
+            <a:pPr algn="ctr"/>
+            <a:r>
+              <a:rPr lang="ko-KR" altLang="en-US" sz="1600" b="1" dirty="0">
+                <a:solidFill>
+                  <a:schemeClr val="tx1"/>
+                </a:solidFill>
+              </a:rPr>
+              <a:t>수정 삭제 버튼 비고에 작성자만 보임</a:t>
+            </a:r>
+          </a:p>
+        </p:txBody>
+      </p:sp>
+      <p:sp>
+        <p:nvSpPr>
+          <p:cNvPr id="35" name="직사각형 34">
+            <a:extLst>
+              <a:ext uri="{FF2B5EF4-FFF2-40B4-BE49-F238E27FC236}">
+                <a16:creationId xmlns:a16="http://schemas.microsoft.com/office/drawing/2014/main" id="{BDB558C8-D839-5A42-FD31-D8F904ACA752}"/>
+              </a:ext>
+            </a:extLst>
+          </p:cNvPr>
+          <p:cNvSpPr/>
+          <p:nvPr/>
+        </p:nvSpPr>
+        <p:spPr>
+          <a:xfrm>
+            <a:off x="5111285" y="1791494"/>
+            <a:ext cx="998335" cy="452227"/>
+          </a:xfrm>
+          <a:prstGeom prst="rect">
+            <a:avLst/>
+          </a:prstGeom>
+          <a:solidFill>
+            <a:schemeClr val="bg1"/>
+          </a:solidFill>
+          <a:ln>
+            <a:solidFill>
+              <a:schemeClr val="bg1"/>
+            </a:solidFill>
+          </a:ln>
+        </p:spPr>
+        <p:style>
+          <a:lnRef idx="2">
+            <a:schemeClr val="accent1">
+              <a:shade val="50000"/>
+            </a:schemeClr>
+          </a:lnRef>
+          <a:fillRef idx="1">
+            <a:schemeClr val="accent1"/>
+          </a:fillRef>
+          <a:effectRef idx="0">
+            <a:schemeClr val="accent1"/>
+          </a:effectRef>
+          <a:fontRef idx="minor">
+            <a:schemeClr val="lt1"/>
+          </a:fontRef>
+        </p:style>
+        <p:txBody>
+          <a:bodyPr rot="0" spcFirstLastPara="0" vertOverflow="overflow" horzOverflow="overflow" vert="horz" wrap="square" lIns="91440" tIns="45720" rIns="91440" bIns="45720" numCol="1" spcCol="0" rtlCol="0" fromWordArt="0" anchor="ctr" anchorCtr="0" forceAA="0" compatLnSpc="1">
+            <a:prstTxWarp prst="textNoShape">
+              <a:avLst/>
+            </a:prstTxWarp>
+            <a:noAutofit/>
+          </a:bodyPr>
+          <a:lstStyle/>
+          <a:p>
+            <a:pPr algn="ctr"/>
+            <a:endParaRPr lang="ko-KR" altLang="en-US" sz="1600" b="1" dirty="0">
+              <a:solidFill>
+                <a:schemeClr val="tx1"/>
+              </a:solidFill>
+            </a:endParaRPr>
+          </a:p>
+        </p:txBody>
+      </p:sp>
+      <p:pic>
+        <p:nvPicPr>
+          <p:cNvPr id="29" name="그림 28">
+            <a:extLst>
+              <a:ext uri="{FF2B5EF4-FFF2-40B4-BE49-F238E27FC236}">
+                <a16:creationId xmlns:a16="http://schemas.microsoft.com/office/drawing/2014/main" id="{3F68F127-901E-160F-B7EB-423C463DA3DA}"/>
+              </a:ext>
+            </a:extLst>
+          </p:cNvPr>
+          <p:cNvPicPr>
+            <a:picLocks noChangeAspect="1"/>
+          </p:cNvPicPr>
+          <p:nvPr/>
+        </p:nvPicPr>
+        <p:blipFill>
+          <a:blip r:embed="rId8"/>
+          <a:srcRect l="13215" t="904" r="19696" b="49601"/>
+          <a:stretch>
+            <a:fillRect/>
+          </a:stretch>
+        </p:blipFill>
+        <p:spPr>
+          <a:xfrm>
+            <a:off x="4684082" y="1974240"/>
+            <a:ext cx="656102" cy="370880"/>
+          </a:xfrm>
+          <a:prstGeom prst="rect">
+            <a:avLst/>
+          </a:prstGeom>
+        </p:spPr>
+      </p:pic>
+      <p:pic>
+        <p:nvPicPr>
+          <p:cNvPr id="10" name="그림 9">
+            <a:extLst>
+              <a:ext uri="{FF2B5EF4-FFF2-40B4-BE49-F238E27FC236}">
+                <a16:creationId xmlns:a16="http://schemas.microsoft.com/office/drawing/2014/main" id="{54CD2E0A-9C76-C81D-E595-0A79F4134AD1}"/>
+              </a:ext>
+            </a:extLst>
+          </p:cNvPr>
+          <p:cNvPicPr>
+            <a:picLocks noChangeAspect="1"/>
+          </p:cNvPicPr>
+          <p:nvPr/>
+        </p:nvPicPr>
+        <p:blipFill>
+          <a:blip r:embed="rId8"/>
+          <a:srcRect l="12914" t="49559" r="15922" b="3542"/>
+          <a:stretch>
+            <a:fillRect/>
+          </a:stretch>
+        </p:blipFill>
+        <p:spPr>
+          <a:xfrm>
+            <a:off x="5344757" y="1977642"/>
+            <a:ext cx="695938" cy="351433"/>
+          </a:xfrm>
+          <a:prstGeom prst="rect">
+            <a:avLst/>
+          </a:prstGeom>
+        </p:spPr>
+      </p:pic>
     </p:spTree>
     <p:extLst>
       <p:ext uri="{BB962C8B-B14F-4D97-AF65-F5344CB8AC3E}">
@@ -5336,6 +5593,98 @@
           </a:p>
         </p:txBody>
       </p:sp>
+      <p:pic>
+        <p:nvPicPr>
+          <p:cNvPr id="5" name="그림 4">
+            <a:extLst>
+              <a:ext uri="{FF2B5EF4-FFF2-40B4-BE49-F238E27FC236}">
+                <a16:creationId xmlns:a16="http://schemas.microsoft.com/office/drawing/2014/main" id="{A6A76756-3A5F-8F2B-DFC3-B20D871E6B4B}"/>
+              </a:ext>
+            </a:extLst>
+          </p:cNvPr>
+          <p:cNvPicPr>
+            <a:picLocks noChangeAspect="1"/>
+          </p:cNvPicPr>
+          <p:nvPr/>
+        </p:nvPicPr>
+        <p:blipFill>
+          <a:blip r:embed="rId4"/>
+          <a:srcRect b="13366"/>
+          <a:stretch>
+            <a:fillRect/>
+          </a:stretch>
+        </p:blipFill>
+        <p:spPr>
+          <a:xfrm>
+            <a:off x="1076598" y="5768494"/>
+            <a:ext cx="2452048" cy="267874"/>
+          </a:xfrm>
+          <a:prstGeom prst="rect">
+            <a:avLst/>
+          </a:prstGeom>
+        </p:spPr>
+      </p:pic>
+      <p:pic>
+        <p:nvPicPr>
+          <p:cNvPr id="7" name="그림 6">
+            <a:extLst>
+              <a:ext uri="{FF2B5EF4-FFF2-40B4-BE49-F238E27FC236}">
+                <a16:creationId xmlns:a16="http://schemas.microsoft.com/office/drawing/2014/main" id="{E7C007B2-1B11-12D3-8312-235B5583C9FE}"/>
+              </a:ext>
+            </a:extLst>
+          </p:cNvPr>
+          <p:cNvPicPr>
+            <a:picLocks noChangeAspect="1"/>
+          </p:cNvPicPr>
+          <p:nvPr/>
+        </p:nvPicPr>
+        <p:blipFill>
+          <a:blip r:embed="rId5"/>
+          <a:srcRect l="9041" t="10033"/>
+          <a:stretch>
+            <a:fillRect/>
+          </a:stretch>
+        </p:blipFill>
+        <p:spPr>
+          <a:xfrm>
+            <a:off x="3528646" y="5762017"/>
+            <a:ext cx="517764" cy="301491"/>
+          </a:xfrm>
+          <a:prstGeom prst="rect">
+            <a:avLst/>
+          </a:prstGeom>
+        </p:spPr>
+      </p:pic>
+      <p:pic>
+        <p:nvPicPr>
+          <p:cNvPr id="10" name="그림 9">
+            <a:extLst>
+              <a:ext uri="{FF2B5EF4-FFF2-40B4-BE49-F238E27FC236}">
+                <a16:creationId xmlns:a16="http://schemas.microsoft.com/office/drawing/2014/main" id="{FCD237AB-327E-E06A-F862-CA2A96228D20}"/>
+              </a:ext>
+            </a:extLst>
+          </p:cNvPr>
+          <p:cNvPicPr>
+            <a:picLocks noChangeAspect="1"/>
+          </p:cNvPicPr>
+          <p:nvPr/>
+        </p:nvPicPr>
+        <p:blipFill>
+          <a:blip r:embed="rId6"/>
+          <a:stretch>
+            <a:fillRect/>
+          </a:stretch>
+        </p:blipFill>
+        <p:spPr>
+          <a:xfrm>
+            <a:off x="1000513" y="6659158"/>
+            <a:ext cx="4181087" cy="510511"/>
+          </a:xfrm>
+          <a:prstGeom prst="rect">
+            <a:avLst/>
+          </a:prstGeom>
+        </p:spPr>
+      </p:pic>
     </p:spTree>
     <p:extLst>
       <p:ext uri="{BB962C8B-B14F-4D97-AF65-F5344CB8AC3E}">
